--- a/lecture-presentations/2019-01-16.pptx
+++ b/lecture-presentations/2019-01-16.pptx
@@ -220,7 +220,7 @@
           <a:p>
             <a:fld id="{A677DEB0-5AA4-49C7-B0AD-AD047A002C4C}" type="datetimeFigureOut">
               <a:rPr lang="en-US" smtClean="0"/>
-              <a:t>1/16/2019</a:t>
+              <a:t>1/17/2019</a:t>
             </a:fld>
             <a:endParaRPr lang="en-US"/>
           </a:p>
@@ -2697,7 +2697,7 @@
           <a:p>
             <a:fld id="{1B52E0E1-344B-4E26-B5AD-CE86AB802485}" type="datetimeFigureOut">
               <a:rPr lang="en-US" smtClean="0"/>
-              <a:t>1/16/2019</a:t>
+              <a:t>1/17/2019</a:t>
             </a:fld>
             <a:endParaRPr lang="en-US"/>
           </a:p>
@@ -2895,7 +2895,7 @@
           <a:p>
             <a:fld id="{1B52E0E1-344B-4E26-B5AD-CE86AB802485}" type="datetimeFigureOut">
               <a:rPr lang="en-US" smtClean="0"/>
-              <a:t>1/16/2019</a:t>
+              <a:t>1/17/2019</a:t>
             </a:fld>
             <a:endParaRPr lang="en-US"/>
           </a:p>
@@ -3103,7 +3103,7 @@
           <a:p>
             <a:fld id="{1B52E0E1-344B-4E26-B5AD-CE86AB802485}" type="datetimeFigureOut">
               <a:rPr lang="en-US" smtClean="0"/>
-              <a:t>1/16/2019</a:t>
+              <a:t>1/17/2019</a:t>
             </a:fld>
             <a:endParaRPr lang="en-US"/>
           </a:p>
@@ -3301,7 +3301,7 @@
           <a:p>
             <a:fld id="{1B52E0E1-344B-4E26-B5AD-CE86AB802485}" type="datetimeFigureOut">
               <a:rPr lang="en-US" smtClean="0"/>
-              <a:t>1/16/2019</a:t>
+              <a:t>1/17/2019</a:t>
             </a:fld>
             <a:endParaRPr lang="en-US"/>
           </a:p>
@@ -3576,7 +3576,7 @@
           <a:p>
             <a:fld id="{1B52E0E1-344B-4E26-B5AD-CE86AB802485}" type="datetimeFigureOut">
               <a:rPr lang="en-US" smtClean="0"/>
-              <a:t>1/16/2019</a:t>
+              <a:t>1/17/2019</a:t>
             </a:fld>
             <a:endParaRPr lang="en-US"/>
           </a:p>
@@ -3841,7 +3841,7 @@
           <a:p>
             <a:fld id="{1B52E0E1-344B-4E26-B5AD-CE86AB802485}" type="datetimeFigureOut">
               <a:rPr lang="en-US" smtClean="0"/>
-              <a:t>1/16/2019</a:t>
+              <a:t>1/17/2019</a:t>
             </a:fld>
             <a:endParaRPr lang="en-US"/>
           </a:p>
@@ -4253,7 +4253,7 @@
           <a:p>
             <a:fld id="{1B52E0E1-344B-4E26-B5AD-CE86AB802485}" type="datetimeFigureOut">
               <a:rPr lang="en-US" smtClean="0"/>
-              <a:t>1/16/2019</a:t>
+              <a:t>1/17/2019</a:t>
             </a:fld>
             <a:endParaRPr lang="en-US"/>
           </a:p>
@@ -4394,7 +4394,7 @@
           <a:p>
             <a:fld id="{1B52E0E1-344B-4E26-B5AD-CE86AB802485}" type="datetimeFigureOut">
               <a:rPr lang="en-US" smtClean="0"/>
-              <a:t>1/16/2019</a:t>
+              <a:t>1/17/2019</a:t>
             </a:fld>
             <a:endParaRPr lang="en-US"/>
           </a:p>
@@ -4507,7 +4507,7 @@
           <a:p>
             <a:fld id="{1B52E0E1-344B-4E26-B5AD-CE86AB802485}" type="datetimeFigureOut">
               <a:rPr lang="en-US" smtClean="0"/>
-              <a:t>1/16/2019</a:t>
+              <a:t>1/17/2019</a:t>
             </a:fld>
             <a:endParaRPr lang="en-US"/>
           </a:p>
@@ -4818,7 +4818,7 @@
           <a:p>
             <a:fld id="{1B52E0E1-344B-4E26-B5AD-CE86AB802485}" type="datetimeFigureOut">
               <a:rPr lang="en-US" smtClean="0"/>
-              <a:t>1/16/2019</a:t>
+              <a:t>1/17/2019</a:t>
             </a:fld>
             <a:endParaRPr lang="en-US"/>
           </a:p>
@@ -5106,7 +5106,7 @@
           <a:p>
             <a:fld id="{1B52E0E1-344B-4E26-B5AD-CE86AB802485}" type="datetimeFigureOut">
               <a:rPr lang="en-US" smtClean="0"/>
-              <a:t>1/16/2019</a:t>
+              <a:t>1/17/2019</a:t>
             </a:fld>
             <a:endParaRPr lang="en-US"/>
           </a:p>
@@ -5347,7 +5347,7 @@
           <a:p>
             <a:fld id="{1B52E0E1-344B-4E26-B5AD-CE86AB802485}" type="datetimeFigureOut">
               <a:rPr lang="en-US" smtClean="0"/>
-              <a:t>1/16/2019</a:t>
+              <a:t>1/17/2019</a:t>
             </a:fld>
             <a:endParaRPr lang="en-US"/>
           </a:p>
@@ -5846,7 +5846,7 @@
             </a:pPr>
             <a:r>
               <a:rPr lang="en-US" sz="2200" dirty="0"/>
-              <a:t>Agenda for Wednesday, January 16 at 12 (noon):</a:t>
+              <a:t>Agenda for Sprint 1 Live Lecture/Lab Session:</a:t>
             </a:r>
           </a:p>
           <a:p>
